--- a/SideProject/MBTI/side_project_flowmap.pptx
+++ b/SideProject/MBTI/side_project_flowmap.pptx
@@ -104,6 +104,11 @@
       </a:defRPr>
     </a:lvl9pPr>
   </p:defaultTextStyle>
+  <p:extLst>
+    <p:ext uri="{EFAFB233-063F-42B5-8137-9DF3F51BA10A}">
+      <p15:sldGuideLst xmlns:p15="http://schemas.microsoft.com/office/powerpoint/2012/main"/>
+    </p:ext>
+  </p:extLst>
 </p:presentation>
 </file>
 
@@ -254,7 +259,7 @@
           <a:p>
             <a:fld id="{42EFF4FE-1849-46EA-8888-77EF34CD29B2}" type="datetimeFigureOut">
               <a:rPr lang="ko-KR" altLang="en-US" smtClean="0"/>
-              <a:t>2022-04-22</a:t>
+              <a:t>2022-04-25</a:t>
             </a:fld>
             <a:endParaRPr lang="ko-KR" altLang="en-US"/>
           </a:p>
@@ -452,7 +457,7 @@
           <a:p>
             <a:fld id="{42EFF4FE-1849-46EA-8888-77EF34CD29B2}" type="datetimeFigureOut">
               <a:rPr lang="ko-KR" altLang="en-US" smtClean="0"/>
-              <a:t>2022-04-22</a:t>
+              <a:t>2022-04-25</a:t>
             </a:fld>
             <a:endParaRPr lang="ko-KR" altLang="en-US"/>
           </a:p>
@@ -660,7 +665,7 @@
           <a:p>
             <a:fld id="{42EFF4FE-1849-46EA-8888-77EF34CD29B2}" type="datetimeFigureOut">
               <a:rPr lang="ko-KR" altLang="en-US" smtClean="0"/>
-              <a:t>2022-04-22</a:t>
+              <a:t>2022-04-25</a:t>
             </a:fld>
             <a:endParaRPr lang="ko-KR" altLang="en-US"/>
           </a:p>
@@ -858,7 +863,7 @@
           <a:p>
             <a:fld id="{42EFF4FE-1849-46EA-8888-77EF34CD29B2}" type="datetimeFigureOut">
               <a:rPr lang="ko-KR" altLang="en-US" smtClean="0"/>
-              <a:t>2022-04-22</a:t>
+              <a:t>2022-04-25</a:t>
             </a:fld>
             <a:endParaRPr lang="ko-KR" altLang="en-US"/>
           </a:p>
@@ -1133,7 +1138,7 @@
           <a:p>
             <a:fld id="{42EFF4FE-1849-46EA-8888-77EF34CD29B2}" type="datetimeFigureOut">
               <a:rPr lang="ko-KR" altLang="en-US" smtClean="0"/>
-              <a:t>2022-04-22</a:t>
+              <a:t>2022-04-25</a:t>
             </a:fld>
             <a:endParaRPr lang="ko-KR" altLang="en-US"/>
           </a:p>
@@ -1398,7 +1403,7 @@
           <a:p>
             <a:fld id="{42EFF4FE-1849-46EA-8888-77EF34CD29B2}" type="datetimeFigureOut">
               <a:rPr lang="ko-KR" altLang="en-US" smtClean="0"/>
-              <a:t>2022-04-22</a:t>
+              <a:t>2022-04-25</a:t>
             </a:fld>
             <a:endParaRPr lang="ko-KR" altLang="en-US"/>
           </a:p>
@@ -1810,7 +1815,7 @@
           <a:p>
             <a:fld id="{42EFF4FE-1849-46EA-8888-77EF34CD29B2}" type="datetimeFigureOut">
               <a:rPr lang="ko-KR" altLang="en-US" smtClean="0"/>
-              <a:t>2022-04-22</a:t>
+              <a:t>2022-04-25</a:t>
             </a:fld>
             <a:endParaRPr lang="ko-KR" altLang="en-US"/>
           </a:p>
@@ -1951,7 +1956,7 @@
           <a:p>
             <a:fld id="{42EFF4FE-1849-46EA-8888-77EF34CD29B2}" type="datetimeFigureOut">
               <a:rPr lang="ko-KR" altLang="en-US" smtClean="0"/>
-              <a:t>2022-04-22</a:t>
+              <a:t>2022-04-25</a:t>
             </a:fld>
             <a:endParaRPr lang="ko-KR" altLang="en-US"/>
           </a:p>
@@ -2064,7 +2069,7 @@
           <a:p>
             <a:fld id="{42EFF4FE-1849-46EA-8888-77EF34CD29B2}" type="datetimeFigureOut">
               <a:rPr lang="ko-KR" altLang="en-US" smtClean="0"/>
-              <a:t>2022-04-22</a:t>
+              <a:t>2022-04-25</a:t>
             </a:fld>
             <a:endParaRPr lang="ko-KR" altLang="en-US"/>
           </a:p>
@@ -2375,7 +2380,7 @@
           <a:p>
             <a:fld id="{42EFF4FE-1849-46EA-8888-77EF34CD29B2}" type="datetimeFigureOut">
               <a:rPr lang="ko-KR" altLang="en-US" smtClean="0"/>
-              <a:t>2022-04-22</a:t>
+              <a:t>2022-04-25</a:t>
             </a:fld>
             <a:endParaRPr lang="ko-KR" altLang="en-US"/>
           </a:p>
@@ -2663,7 +2668,7 @@
           <a:p>
             <a:fld id="{42EFF4FE-1849-46EA-8888-77EF34CD29B2}" type="datetimeFigureOut">
               <a:rPr lang="ko-KR" altLang="en-US" smtClean="0"/>
-              <a:t>2022-04-22</a:t>
+              <a:t>2022-04-25</a:t>
             </a:fld>
             <a:endParaRPr lang="ko-KR" altLang="en-US"/>
           </a:p>
@@ -2904,7 +2909,7 @@
           <a:p>
             <a:fld id="{42EFF4FE-1849-46EA-8888-77EF34CD29B2}" type="datetimeFigureOut">
               <a:rPr lang="ko-KR" altLang="en-US" smtClean="0"/>
-              <a:t>2022-04-22</a:t>
+              <a:t>2022-04-25</a:t>
             </a:fld>
             <a:endParaRPr lang="ko-KR" altLang="en-US"/>
           </a:p>
@@ -3335,7 +3340,7 @@
         </p:nvSpPr>
         <p:spPr>
           <a:xfrm>
-            <a:off x="969627" y="859871"/>
+            <a:off x="969627" y="1037084"/>
             <a:ext cx="1483453" cy="893428"/>
           </a:xfrm>
           <a:prstGeom prst="rect">
@@ -3396,7 +3401,7 @@
         </p:nvSpPr>
         <p:spPr>
           <a:xfrm>
-            <a:off x="5354273" y="859871"/>
+            <a:off x="5354273" y="1037084"/>
             <a:ext cx="1483453" cy="893428"/>
           </a:xfrm>
           <a:prstGeom prst="rect">
@@ -3461,7 +3466,7 @@
         </p:nvCxnSpPr>
         <p:spPr>
           <a:xfrm>
-            <a:off x="2453080" y="1306585"/>
+            <a:off x="2453080" y="1483798"/>
             <a:ext cx="2901193" cy="0"/>
           </a:xfrm>
           <a:prstGeom prst="straightConnector1">
@@ -3503,7 +3508,7 @@
         </p:nvSpPr>
         <p:spPr>
           <a:xfrm>
-            <a:off x="9738920" y="859871"/>
+            <a:off x="9738920" y="1037084"/>
             <a:ext cx="1483453" cy="893428"/>
           </a:xfrm>
           <a:prstGeom prst="rect">
@@ -3568,7 +3573,7 @@
         </p:nvCxnSpPr>
         <p:spPr>
           <a:xfrm>
-            <a:off x="6837726" y="1306585"/>
+            <a:off x="6837726" y="1483798"/>
             <a:ext cx="2901194" cy="0"/>
           </a:xfrm>
           <a:prstGeom prst="straightConnector1">
@@ -4139,18 +4144,13 @@
           <a:p>
             <a:pPr algn="ctr"/>
             <a:r>
-              <a:rPr lang="ko-KR" altLang="en-US" sz="1400">
+              <a:rPr lang="ko-KR" altLang="en-US" sz="1400" dirty="0">
                 <a:solidFill>
                   <a:schemeClr val="tx1"/>
                 </a:solidFill>
               </a:rPr>
               <a:t>질문 내용</a:t>
             </a:r>
-            <a:endParaRPr lang="ko-KR" altLang="en-US" sz="1400" dirty="0">
-              <a:solidFill>
-                <a:schemeClr val="tx1"/>
-              </a:solidFill>
-            </a:endParaRPr>
           </a:p>
         </p:txBody>
       </p:sp>
@@ -4673,6 +4673,594 @@
               </a:rPr>
               <a:t>최악궁합</a:t>
             </a:r>
+          </a:p>
+        </p:txBody>
+      </p:sp>
+      <p:sp>
+        <p:nvSpPr>
+          <p:cNvPr id="27" name="직사각형 26">
+            <a:extLst>
+              <a:ext uri="{FF2B5EF4-FFF2-40B4-BE49-F238E27FC236}">
+                <a16:creationId xmlns:a16="http://schemas.microsoft.com/office/drawing/2014/main" id="{B52AE005-4BC3-445B-BCB6-073233412121}"/>
+              </a:ext>
+            </a:extLst>
+          </p:cNvPr>
+          <p:cNvSpPr/>
+          <p:nvPr/>
+        </p:nvSpPr>
+        <p:spPr>
+          <a:xfrm>
+            <a:off x="213912" y="91232"/>
+            <a:ext cx="2994871" cy="893428"/>
+          </a:xfrm>
+          <a:prstGeom prst="rect">
+            <a:avLst/>
+          </a:prstGeom>
+          <a:solidFill>
+            <a:schemeClr val="bg1"/>
+          </a:solidFill>
+          <a:ln>
+            <a:solidFill>
+              <a:schemeClr val="tx1"/>
+            </a:solidFill>
+          </a:ln>
+        </p:spPr>
+        <p:style>
+          <a:lnRef idx="2">
+            <a:schemeClr val="accent1">
+              <a:shade val="50000"/>
+            </a:schemeClr>
+          </a:lnRef>
+          <a:fillRef idx="1">
+            <a:schemeClr val="accent1"/>
+          </a:fillRef>
+          <a:effectRef idx="0">
+            <a:schemeClr val="accent1"/>
+          </a:effectRef>
+          <a:fontRef idx="minor">
+            <a:schemeClr val="lt1"/>
+          </a:fontRef>
+        </p:style>
+        <p:txBody>
+          <a:bodyPr rtlCol="0" anchor="ctr"/>
+          <a:lstStyle/>
+          <a:p>
+            <a:pPr marL="171450" indent="-171450">
+              <a:buFont typeface="Arial" panose="020B0604020202020204" pitchFamily="34" charset="0"/>
+              <a:buChar char="•"/>
+            </a:pPr>
+            <a:r>
+              <a:rPr lang="ko-KR" altLang="en-US" sz="1000" dirty="0">
+                <a:solidFill>
+                  <a:schemeClr val="tx1"/>
+                </a:solidFill>
+              </a:rPr>
+              <a:t>참여 인원 수 </a:t>
+            </a:r>
+            <a:r>
+              <a:rPr lang="en-US" altLang="ko-KR" sz="1000" dirty="0">
+                <a:solidFill>
+                  <a:schemeClr val="tx1"/>
+                </a:solidFill>
+              </a:rPr>
+              <a:t>(sum(</a:t>
+            </a:r>
+            <a:r>
+              <a:rPr lang="en-US" altLang="ko-KR" sz="1000" dirty="0" err="1">
+                <a:solidFill>
+                  <a:schemeClr val="tx1"/>
+                </a:solidFill>
+              </a:rPr>
+              <a:t>cnt</a:t>
+            </a:r>
+            <a:r>
+              <a:rPr lang="en-US" altLang="ko-KR" sz="1000" dirty="0">
+                <a:solidFill>
+                  <a:schemeClr val="tx1"/>
+                </a:solidFill>
+              </a:rPr>
+              <a:t>))</a:t>
+            </a:r>
+          </a:p>
+          <a:p>
+            <a:pPr marL="171450" indent="-171450">
+              <a:buFont typeface="Arial" panose="020B0604020202020204" pitchFamily="34" charset="0"/>
+              <a:buChar char="•"/>
+            </a:pPr>
+            <a:r>
+              <a:rPr lang="ko-KR" altLang="en-US" sz="1000" dirty="0">
+                <a:solidFill>
+                  <a:schemeClr val="tx1"/>
+                </a:solidFill>
+              </a:rPr>
+              <a:t>가장 많은 유형 </a:t>
+            </a:r>
+            <a:r>
+              <a:rPr lang="en-US" altLang="ko-KR" sz="1000" dirty="0">
+                <a:solidFill>
+                  <a:schemeClr val="tx1"/>
+                </a:solidFill>
+              </a:rPr>
+              <a:t>(max(</a:t>
+            </a:r>
+            <a:r>
+              <a:rPr lang="en-US" altLang="ko-KR" sz="1000" dirty="0" err="1">
+                <a:solidFill>
+                  <a:schemeClr val="tx1"/>
+                </a:solidFill>
+              </a:rPr>
+              <a:t>cnt</a:t>
+            </a:r>
+            <a:r>
+              <a:rPr lang="en-US" altLang="ko-KR" sz="1000" dirty="0">
+                <a:solidFill>
+                  <a:schemeClr val="tx1"/>
+                </a:solidFill>
+              </a:rPr>
+              <a:t>))</a:t>
+            </a:r>
+          </a:p>
+          <a:p>
+            <a:pPr marL="171450" indent="-171450">
+              <a:buFont typeface="Arial" panose="020B0604020202020204" pitchFamily="34" charset="0"/>
+              <a:buChar char="•"/>
+            </a:pPr>
+            <a:r>
+              <a:rPr lang="ko-KR" altLang="en-US" sz="1000" dirty="0">
+                <a:solidFill>
+                  <a:schemeClr val="tx1"/>
+                </a:solidFill>
+              </a:rPr>
+              <a:t>가장 적은 유형 </a:t>
+            </a:r>
+            <a:r>
+              <a:rPr lang="en-US" altLang="ko-KR" sz="1000" dirty="0">
+                <a:solidFill>
+                  <a:schemeClr val="tx1"/>
+                </a:solidFill>
+              </a:rPr>
+              <a:t>(min(</a:t>
+            </a:r>
+            <a:r>
+              <a:rPr lang="en-US" altLang="ko-KR" sz="1000" dirty="0" err="1">
+                <a:solidFill>
+                  <a:schemeClr val="tx1"/>
+                </a:solidFill>
+              </a:rPr>
+              <a:t>cnt</a:t>
+            </a:r>
+            <a:r>
+              <a:rPr lang="en-US" altLang="ko-KR" sz="1000" dirty="0">
+                <a:solidFill>
+                  <a:schemeClr val="tx1"/>
+                </a:solidFill>
+              </a:rPr>
+              <a:t>))</a:t>
+            </a:r>
+            <a:endParaRPr lang="ko-KR" altLang="en-US" sz="1000" dirty="0">
+              <a:solidFill>
+                <a:schemeClr val="tx1"/>
+              </a:solidFill>
+            </a:endParaRPr>
+          </a:p>
+        </p:txBody>
+      </p:sp>
+      <p:sp>
+        <p:nvSpPr>
+          <p:cNvPr id="28" name="직사각형 27">
+            <a:extLst>
+              <a:ext uri="{FF2B5EF4-FFF2-40B4-BE49-F238E27FC236}">
+                <a16:creationId xmlns:a16="http://schemas.microsoft.com/office/drawing/2014/main" id="{D187086A-75E6-4159-92C9-06D0C0F0301D}"/>
+              </a:ext>
+            </a:extLst>
+          </p:cNvPr>
+          <p:cNvSpPr/>
+          <p:nvPr/>
+        </p:nvSpPr>
+        <p:spPr>
+          <a:xfrm>
+            <a:off x="4598563" y="91232"/>
+            <a:ext cx="2994871" cy="893428"/>
+          </a:xfrm>
+          <a:prstGeom prst="rect">
+            <a:avLst/>
+          </a:prstGeom>
+          <a:solidFill>
+            <a:schemeClr val="bg1"/>
+          </a:solidFill>
+          <a:ln>
+            <a:solidFill>
+              <a:schemeClr val="tx1"/>
+            </a:solidFill>
+          </a:ln>
+        </p:spPr>
+        <p:style>
+          <a:lnRef idx="2">
+            <a:schemeClr val="accent1">
+              <a:shade val="50000"/>
+            </a:schemeClr>
+          </a:lnRef>
+          <a:fillRef idx="1">
+            <a:schemeClr val="accent1"/>
+          </a:fillRef>
+          <a:effectRef idx="0">
+            <a:schemeClr val="accent1"/>
+          </a:effectRef>
+          <a:fontRef idx="minor">
+            <a:schemeClr val="lt1"/>
+          </a:fontRef>
+        </p:style>
+        <p:txBody>
+          <a:bodyPr rtlCol="0" anchor="ctr"/>
+          <a:lstStyle/>
+          <a:p>
+            <a:pPr marL="171450" indent="-171450">
+              <a:buFont typeface="Arial" panose="020B0604020202020204" pitchFamily="34" charset="0"/>
+              <a:buChar char="•"/>
+            </a:pPr>
+            <a:r>
+              <a:rPr lang="ko-KR" altLang="en-US" sz="1000" dirty="0">
+                <a:solidFill>
+                  <a:schemeClr val="tx1"/>
+                </a:solidFill>
+              </a:rPr>
+              <a:t>질문 </a:t>
+            </a:r>
+            <a:r>
+              <a:rPr lang="en-US" altLang="ko-KR" sz="1000" dirty="0" err="1">
+                <a:solidFill>
+                  <a:schemeClr val="tx1"/>
+                </a:solidFill>
+              </a:rPr>
+              <a:t>db</a:t>
+            </a:r>
+            <a:r>
+              <a:rPr lang="en-US" altLang="ko-KR" sz="1000" dirty="0">
+                <a:solidFill>
+                  <a:schemeClr val="tx1"/>
+                </a:solidFill>
+              </a:rPr>
+              <a:t> (pk)</a:t>
+            </a:r>
+            <a:r>
+              <a:rPr lang="ko-KR" altLang="en-US" sz="1000" dirty="0">
+                <a:solidFill>
+                  <a:schemeClr val="tx1"/>
+                </a:solidFill>
+              </a:rPr>
+              <a:t> </a:t>
+            </a:r>
+            <a:r>
+              <a:rPr lang="en-US" altLang="ko-KR" sz="1000" dirty="0">
+                <a:solidFill>
+                  <a:schemeClr val="tx1"/>
+                </a:solidFill>
+              </a:rPr>
+              <a:t>(</a:t>
+            </a:r>
+            <a:r>
+              <a:rPr lang="en-US" altLang="ko-KR" sz="1000" dirty="0">
+                <a:solidFill>
+                  <a:schemeClr val="tx1"/>
+                </a:solidFill>
+                <a:hlinkClick r:id="rId2"/>
+              </a:rPr>
+              <a:t>http://localhost:/mbti/&lt;int:pk&gt;/</a:t>
+            </a:r>
+            <a:r>
+              <a:rPr lang="en-US" altLang="ko-KR" sz="1000" dirty="0">
+                <a:solidFill>
+                  <a:schemeClr val="tx1"/>
+                </a:solidFill>
+              </a:rPr>
+              <a:t>)</a:t>
+            </a:r>
+          </a:p>
+          <a:p>
+            <a:pPr marL="171450" indent="-171450">
+              <a:buFont typeface="Arial" panose="020B0604020202020204" pitchFamily="34" charset="0"/>
+              <a:buChar char="•"/>
+            </a:pPr>
+            <a:r>
+              <a:rPr lang="ko-KR" altLang="en-US" sz="1000" dirty="0">
+                <a:solidFill>
+                  <a:schemeClr val="tx1"/>
+                </a:solidFill>
+              </a:rPr>
+              <a:t>고르면</a:t>
+            </a:r>
+            <a:r>
+              <a:rPr lang="en-US" altLang="ko-KR" sz="1000" dirty="0">
+                <a:solidFill>
+                  <a:schemeClr val="tx1"/>
+                </a:solidFill>
+              </a:rPr>
+              <a:t>, pk</a:t>
+            </a:r>
+            <a:r>
+              <a:rPr lang="ko-KR" altLang="en-US" sz="1000" dirty="0">
+                <a:solidFill>
+                  <a:schemeClr val="tx1"/>
+                </a:solidFill>
+              </a:rPr>
+              <a:t>에 맞는 값을 넘겨서 질문 유형에 맞게 더해준다</a:t>
+            </a:r>
+            <a:r>
+              <a:rPr lang="en-US" altLang="ko-KR" sz="1000" dirty="0">
+                <a:solidFill>
+                  <a:schemeClr val="tx1"/>
+                </a:solidFill>
+              </a:rPr>
+              <a:t>.</a:t>
+            </a:r>
+          </a:p>
+          <a:p>
+            <a:pPr marL="171450" indent="-171450">
+              <a:buFont typeface="Arial" panose="020B0604020202020204" pitchFamily="34" charset="0"/>
+              <a:buChar char="•"/>
+            </a:pPr>
+            <a:r>
+              <a:rPr lang="en-US" altLang="ko-KR" sz="1000" dirty="0">
+                <a:solidFill>
+                  <a:schemeClr val="tx1"/>
+                </a:solidFill>
+              </a:rPr>
+              <a:t>Progress bar – {{ pk }} / 12</a:t>
+            </a:r>
+          </a:p>
+        </p:txBody>
+      </p:sp>
+      <p:sp>
+        <p:nvSpPr>
+          <p:cNvPr id="29" name="직사각형 28">
+            <a:extLst>
+              <a:ext uri="{FF2B5EF4-FFF2-40B4-BE49-F238E27FC236}">
+                <a16:creationId xmlns:a16="http://schemas.microsoft.com/office/drawing/2014/main" id="{424D9053-CBEB-4954-82EC-0DE14DFFF395}"/>
+              </a:ext>
+            </a:extLst>
+          </p:cNvPr>
+          <p:cNvSpPr/>
+          <p:nvPr/>
+        </p:nvSpPr>
+        <p:spPr>
+          <a:xfrm>
+            <a:off x="8983212" y="91232"/>
+            <a:ext cx="2994871" cy="893428"/>
+          </a:xfrm>
+          <a:prstGeom prst="rect">
+            <a:avLst/>
+          </a:prstGeom>
+          <a:solidFill>
+            <a:schemeClr val="bg1"/>
+          </a:solidFill>
+          <a:ln>
+            <a:solidFill>
+              <a:schemeClr val="tx1"/>
+            </a:solidFill>
+          </a:ln>
+        </p:spPr>
+        <p:style>
+          <a:lnRef idx="2">
+            <a:schemeClr val="accent1">
+              <a:shade val="50000"/>
+            </a:schemeClr>
+          </a:lnRef>
+          <a:fillRef idx="1">
+            <a:schemeClr val="accent1"/>
+          </a:fillRef>
+          <a:effectRef idx="0">
+            <a:schemeClr val="accent1"/>
+          </a:effectRef>
+          <a:fontRef idx="minor">
+            <a:schemeClr val="lt1"/>
+          </a:fontRef>
+        </p:style>
+        <p:txBody>
+          <a:bodyPr rtlCol="0" anchor="ctr"/>
+          <a:lstStyle/>
+          <a:p>
+            <a:pPr marL="171450" indent="-171450">
+              <a:buFont typeface="Arial" panose="020B0604020202020204" pitchFamily="34" charset="0"/>
+              <a:buChar char="•"/>
+            </a:pPr>
+            <a:r>
+              <a:rPr lang="ko-KR" altLang="en-US" sz="1000" dirty="0">
+                <a:solidFill>
+                  <a:schemeClr val="tx1"/>
+                </a:solidFill>
+              </a:rPr>
+              <a:t>질문으로</a:t>
+            </a:r>
+            <a:r>
+              <a:rPr lang="en-US" altLang="ko-KR" sz="1000" dirty="0">
+                <a:solidFill>
+                  <a:schemeClr val="tx1"/>
+                </a:solidFill>
+              </a:rPr>
+              <a:t> </a:t>
+            </a:r>
+            <a:r>
+              <a:rPr lang="ko-KR" altLang="en-US" sz="1000" dirty="0">
+                <a:solidFill>
+                  <a:schemeClr val="tx1"/>
+                </a:solidFill>
+              </a:rPr>
+              <a:t>만들어진 </a:t>
+            </a:r>
+            <a:r>
+              <a:rPr lang="en-US" altLang="ko-KR" sz="1000" dirty="0">
+                <a:solidFill>
+                  <a:schemeClr val="tx1"/>
+                </a:solidFill>
+              </a:rPr>
+              <a:t>string</a:t>
+            </a:r>
+            <a:r>
+              <a:rPr lang="ko-KR" altLang="en-US" sz="1000" dirty="0">
+                <a:solidFill>
+                  <a:schemeClr val="tx1"/>
+                </a:solidFill>
+              </a:rPr>
+              <a:t>으로 </a:t>
+            </a:r>
+            <a:r>
+              <a:rPr lang="en-US" altLang="ko-KR" sz="1000" dirty="0" err="1">
+                <a:solidFill>
+                  <a:schemeClr val="tx1"/>
+                </a:solidFill>
+              </a:rPr>
+              <a:t>url</a:t>
+            </a:r>
+            <a:r>
+              <a:rPr lang="en-US" altLang="ko-KR" sz="1000" dirty="0">
+                <a:solidFill>
+                  <a:schemeClr val="tx1"/>
+                </a:solidFill>
+              </a:rPr>
+              <a:t> </a:t>
+            </a:r>
+            <a:r>
+              <a:rPr lang="ko-KR" altLang="en-US" sz="1000" dirty="0">
+                <a:solidFill>
+                  <a:schemeClr val="tx1"/>
+                </a:solidFill>
+              </a:rPr>
+              <a:t>넘긴다</a:t>
+            </a:r>
+            <a:r>
+              <a:rPr lang="en-US" altLang="ko-KR" sz="1000" dirty="0">
+                <a:solidFill>
+                  <a:schemeClr val="tx1"/>
+                </a:solidFill>
+              </a:rPr>
+              <a:t>. (</a:t>
+            </a:r>
+            <a:r>
+              <a:rPr lang="en-US" altLang="ko-KR" sz="1000" dirty="0">
+                <a:solidFill>
+                  <a:schemeClr val="tx1"/>
+                </a:solidFill>
+                <a:hlinkClick r:id="rId3"/>
+              </a:rPr>
+              <a:t>http://localhost:/mbti/&lt;str&gt;/</a:t>
+            </a:r>
+            <a:r>
+              <a:rPr lang="en-US" altLang="ko-KR" sz="1000" dirty="0">
+                <a:solidFill>
+                  <a:schemeClr val="tx1"/>
+                </a:solidFill>
+              </a:rPr>
+              <a:t>)</a:t>
+            </a:r>
+          </a:p>
+          <a:p>
+            <a:pPr marL="171450" indent="-171450">
+              <a:buFont typeface="Arial" panose="020B0604020202020204" pitchFamily="34" charset="0"/>
+              <a:buChar char="•"/>
+            </a:pPr>
+            <a:r>
+              <a:rPr lang="en-US" altLang="ko-KR" sz="1000" dirty="0">
+                <a:solidFill>
+                  <a:schemeClr val="tx1"/>
+                </a:solidFill>
+              </a:rPr>
+              <a:t>MBTI</a:t>
+            </a:r>
+            <a:r>
+              <a:rPr lang="ko-KR" altLang="en-US" sz="1000" dirty="0">
+                <a:solidFill>
+                  <a:schemeClr val="tx1"/>
+                </a:solidFill>
+              </a:rPr>
+              <a:t>에 맞게 </a:t>
+            </a:r>
+            <a:r>
+              <a:rPr lang="en-US" altLang="ko-KR" sz="1000" dirty="0">
+                <a:solidFill>
+                  <a:schemeClr val="tx1"/>
+                </a:solidFill>
+              </a:rPr>
+              <a:t>pk</a:t>
+            </a:r>
+            <a:r>
+              <a:rPr lang="ko-KR" altLang="en-US" sz="1000" dirty="0">
+                <a:solidFill>
+                  <a:schemeClr val="tx1"/>
+                </a:solidFill>
+              </a:rPr>
+              <a:t>로 </a:t>
+            </a:r>
+            <a:r>
+              <a:rPr lang="en-US" altLang="ko-KR" sz="1000" dirty="0" err="1">
+                <a:solidFill>
+                  <a:schemeClr val="tx1"/>
+                </a:solidFill>
+              </a:rPr>
+              <a:t>db</a:t>
+            </a:r>
+            <a:r>
+              <a:rPr lang="ko-KR" altLang="en-US" sz="1000" dirty="0">
+                <a:solidFill>
+                  <a:schemeClr val="tx1"/>
+                </a:solidFill>
+              </a:rPr>
+              <a:t>를 불러온다</a:t>
+            </a:r>
+            <a:r>
+              <a:rPr lang="en-US" altLang="ko-KR" sz="1000" dirty="0">
+                <a:solidFill>
+                  <a:schemeClr val="tx1"/>
+                </a:solidFill>
+              </a:rPr>
+              <a:t>.</a:t>
+            </a:r>
+          </a:p>
+        </p:txBody>
+      </p:sp>
+      <p:sp>
+        <p:nvSpPr>
+          <p:cNvPr id="3" name="직사각형 2">
+            <a:extLst>
+              <a:ext uri="{FF2B5EF4-FFF2-40B4-BE49-F238E27FC236}">
+                <a16:creationId xmlns:a16="http://schemas.microsoft.com/office/drawing/2014/main" id="{37305E35-4AE7-4C6C-A58B-9A87EBFFD90C}"/>
+              </a:ext>
+            </a:extLst>
+          </p:cNvPr>
+          <p:cNvSpPr/>
+          <p:nvPr/>
+        </p:nvSpPr>
+        <p:spPr>
+          <a:xfrm>
+            <a:off x="9653624" y="2768353"/>
+            <a:ext cx="1644243" cy="2164360"/>
+          </a:xfrm>
+          <a:prstGeom prst="rect">
+            <a:avLst/>
+          </a:prstGeom>
+          <a:noFill/>
+        </p:spPr>
+        <p:style>
+          <a:lnRef idx="2">
+            <a:schemeClr val="accent1">
+              <a:shade val="50000"/>
+            </a:schemeClr>
+          </a:lnRef>
+          <a:fillRef idx="1">
+            <a:schemeClr val="accent1"/>
+          </a:fillRef>
+          <a:effectRef idx="0">
+            <a:schemeClr val="accent1"/>
+          </a:effectRef>
+          <a:fontRef idx="minor">
+            <a:schemeClr val="lt1"/>
+          </a:fontRef>
+        </p:style>
+        <p:txBody>
+          <a:bodyPr rtlCol="0" anchor="ctr"/>
+          <a:lstStyle/>
+          <a:p>
+            <a:pPr algn="ctr"/>
+            <a:endParaRPr lang="ko-KR" altLang="en-US"/>
           </a:p>
         </p:txBody>
       </p:sp>

--- a/SideProject/MBTI/side_project_flowmap.pptx
+++ b/SideProject/MBTI/side_project_flowmap.pptx
@@ -259,7 +259,7 @@
           <a:p>
             <a:fld id="{42EFF4FE-1849-46EA-8888-77EF34CD29B2}" type="datetimeFigureOut">
               <a:rPr lang="ko-KR" altLang="en-US" smtClean="0"/>
-              <a:t>2022-04-25</a:t>
+              <a:t>2022-05-07</a:t>
             </a:fld>
             <a:endParaRPr lang="ko-KR" altLang="en-US"/>
           </a:p>
@@ -457,7 +457,7 @@
           <a:p>
             <a:fld id="{42EFF4FE-1849-46EA-8888-77EF34CD29B2}" type="datetimeFigureOut">
               <a:rPr lang="ko-KR" altLang="en-US" smtClean="0"/>
-              <a:t>2022-04-25</a:t>
+              <a:t>2022-05-07</a:t>
             </a:fld>
             <a:endParaRPr lang="ko-KR" altLang="en-US"/>
           </a:p>
@@ -665,7 +665,7 @@
           <a:p>
             <a:fld id="{42EFF4FE-1849-46EA-8888-77EF34CD29B2}" type="datetimeFigureOut">
               <a:rPr lang="ko-KR" altLang="en-US" smtClean="0"/>
-              <a:t>2022-04-25</a:t>
+              <a:t>2022-05-07</a:t>
             </a:fld>
             <a:endParaRPr lang="ko-KR" altLang="en-US"/>
           </a:p>
@@ -863,7 +863,7 @@
           <a:p>
             <a:fld id="{42EFF4FE-1849-46EA-8888-77EF34CD29B2}" type="datetimeFigureOut">
               <a:rPr lang="ko-KR" altLang="en-US" smtClean="0"/>
-              <a:t>2022-04-25</a:t>
+              <a:t>2022-05-07</a:t>
             </a:fld>
             <a:endParaRPr lang="ko-KR" altLang="en-US"/>
           </a:p>
@@ -1138,7 +1138,7 @@
           <a:p>
             <a:fld id="{42EFF4FE-1849-46EA-8888-77EF34CD29B2}" type="datetimeFigureOut">
               <a:rPr lang="ko-KR" altLang="en-US" smtClean="0"/>
-              <a:t>2022-04-25</a:t>
+              <a:t>2022-05-07</a:t>
             </a:fld>
             <a:endParaRPr lang="ko-KR" altLang="en-US"/>
           </a:p>
@@ -1403,7 +1403,7 @@
           <a:p>
             <a:fld id="{42EFF4FE-1849-46EA-8888-77EF34CD29B2}" type="datetimeFigureOut">
               <a:rPr lang="ko-KR" altLang="en-US" smtClean="0"/>
-              <a:t>2022-04-25</a:t>
+              <a:t>2022-05-07</a:t>
             </a:fld>
             <a:endParaRPr lang="ko-KR" altLang="en-US"/>
           </a:p>
@@ -1815,7 +1815,7 @@
           <a:p>
             <a:fld id="{42EFF4FE-1849-46EA-8888-77EF34CD29B2}" type="datetimeFigureOut">
               <a:rPr lang="ko-KR" altLang="en-US" smtClean="0"/>
-              <a:t>2022-04-25</a:t>
+              <a:t>2022-05-07</a:t>
             </a:fld>
             <a:endParaRPr lang="ko-KR" altLang="en-US"/>
           </a:p>
@@ -1956,7 +1956,7 @@
           <a:p>
             <a:fld id="{42EFF4FE-1849-46EA-8888-77EF34CD29B2}" type="datetimeFigureOut">
               <a:rPr lang="ko-KR" altLang="en-US" smtClean="0"/>
-              <a:t>2022-04-25</a:t>
+              <a:t>2022-05-07</a:t>
             </a:fld>
             <a:endParaRPr lang="ko-KR" altLang="en-US"/>
           </a:p>
@@ -2069,7 +2069,7 @@
           <a:p>
             <a:fld id="{42EFF4FE-1849-46EA-8888-77EF34CD29B2}" type="datetimeFigureOut">
               <a:rPr lang="ko-KR" altLang="en-US" smtClean="0"/>
-              <a:t>2022-04-25</a:t>
+              <a:t>2022-05-07</a:t>
             </a:fld>
             <a:endParaRPr lang="ko-KR" altLang="en-US"/>
           </a:p>
@@ -2380,7 +2380,7 @@
           <a:p>
             <a:fld id="{42EFF4FE-1849-46EA-8888-77EF34CD29B2}" type="datetimeFigureOut">
               <a:rPr lang="ko-KR" altLang="en-US" smtClean="0"/>
-              <a:t>2022-04-25</a:t>
+              <a:t>2022-05-07</a:t>
             </a:fld>
             <a:endParaRPr lang="ko-KR" altLang="en-US"/>
           </a:p>
@@ -2668,7 +2668,7 @@
           <a:p>
             <a:fld id="{42EFF4FE-1849-46EA-8888-77EF34CD29B2}" type="datetimeFigureOut">
               <a:rPr lang="ko-KR" altLang="en-US" smtClean="0"/>
-              <a:t>2022-04-25</a:t>
+              <a:t>2022-05-07</a:t>
             </a:fld>
             <a:endParaRPr lang="ko-KR" altLang="en-US"/>
           </a:p>
@@ -2909,7 +2909,7 @@
           <a:p>
             <a:fld id="{42EFF4FE-1849-46EA-8888-77EF34CD29B2}" type="datetimeFigureOut">
               <a:rPr lang="ko-KR" altLang="en-US" smtClean="0"/>
-              <a:t>2022-04-25</a:t>
+              <a:t>2022-05-07</a:t>
             </a:fld>
             <a:endParaRPr lang="ko-KR" altLang="en-US"/>
           </a:p>
@@ -4474,7 +4474,7 @@
         </p:nvSpPr>
         <p:spPr>
           <a:xfrm>
-            <a:off x="9734020" y="5041765"/>
+            <a:off x="9734020" y="4086486"/>
             <a:ext cx="1483453" cy="606104"/>
           </a:xfrm>
           <a:prstGeom prst="rect">
@@ -4528,7 +4528,7 @@
         </p:nvSpPr>
         <p:spPr>
           <a:xfrm>
-            <a:off x="9734020" y="5721286"/>
+            <a:off x="9734020" y="5015489"/>
             <a:ext cx="1483453" cy="333459"/>
           </a:xfrm>
           <a:prstGeom prst="rect">
@@ -4582,7 +4582,7 @@
         </p:nvSpPr>
         <p:spPr>
           <a:xfrm>
-            <a:off x="9734021" y="4217556"/>
+            <a:off x="9734020" y="5541899"/>
             <a:ext cx="609606" cy="606104"/>
           </a:xfrm>
           <a:prstGeom prst="rect">
@@ -4636,7 +4636,7 @@
         </p:nvSpPr>
         <p:spPr>
           <a:xfrm>
-            <a:off x="10607867" y="4217556"/>
+            <a:off x="10607867" y="5541899"/>
             <a:ext cx="609606" cy="606104"/>
           </a:xfrm>
           <a:prstGeom prst="rect">
@@ -5231,7 +5231,7 @@
         </p:nvSpPr>
         <p:spPr>
           <a:xfrm>
-            <a:off x="9653624" y="2768353"/>
+            <a:off x="9645636" y="2768353"/>
             <a:ext cx="1644243" cy="2164360"/>
           </a:xfrm>
           <a:prstGeom prst="rect">
